--- a/w-第三次组会_2018.10.22.pptx
+++ b/w-第三次组会_2018.10.22.pptx
@@ -5,7 +5,7 @@
     <p:sldMasterId id="2147483648" r:id="rId1"/>
   </p:sldMasterIdLst>
   <p:notesMasterIdLst>
-    <p:notesMasterId r:id="rId17"/>
+    <p:notesMasterId r:id="rId13"/>
   </p:notesMasterIdLst>
   <p:sldIdLst>
     <p:sldId id="256" r:id="rId2"/>
@@ -19,10 +19,6 @@
     <p:sldId id="263" r:id="rId10"/>
     <p:sldId id="264" r:id="rId11"/>
     <p:sldId id="265" r:id="rId12"/>
-    <p:sldId id="266" r:id="rId13"/>
-    <p:sldId id="267" r:id="rId14"/>
-    <p:sldId id="268" r:id="rId15"/>
-    <p:sldId id="269" r:id="rId16"/>
   </p:sldIdLst>
   <p:sldSz cx="12192000" cy="6858000"/>
   <p:notesSz cx="6858000" cy="9144000"/>
@@ -121,6 +117,11 @@
       </a:defRPr>
     </a:lvl9pPr>
   </p:defaultTextStyle>
+  <p:extLst>
+    <p:ext uri="{EFAFB233-063F-42B5-8137-9DF3F51BA10A}">
+      <p15:sldGuideLst xmlns:p15="http://schemas.microsoft.com/office/powerpoint/2012/main"/>
+    </p:ext>
+  </p:extLst>
 </p:presentation>
 </file>
 
@@ -206,7 +207,7 @@
           <a:p>
             <a:fld id="{FBC0F450-C4F3-4A41-9DCF-D1CD82335DD1}" type="datetimeFigureOut">
               <a:rPr lang="zh-CN" altLang="en-US" smtClean="0"/>
-              <a:t>2018/10/20</a:t>
+              <a:t>2018/10/21</a:t>
             </a:fld>
             <a:endParaRPr lang="zh-CN" altLang="en-US"/>
           </a:p>
@@ -796,6 +797,82 @@
               <a:rPr lang="zh-CN" altLang="zh-CN" dirty="0"/>
               <a:t>即，分割图仅包含在输入图像中可获得完整内容的像素。</a:t>
             </a:r>
+            <a:endParaRPr lang="en-US" altLang="zh-CN" dirty="0"/>
+          </a:p>
+          <a:p>
+            <a:pPr marL="0" marR="0" lvl="0" indent="0" algn="l" defTabSz="914400" rtl="0" eaLnBrk="1" fontAlgn="auto" latinLnBrk="0" hangingPunct="1">
+              <a:lnSpc>
+                <a:spcPct val="100000"/>
+              </a:lnSpc>
+              <a:spcBef>
+                <a:spcPts val="0"/>
+              </a:spcBef>
+              <a:spcAft>
+                <a:spcPts val="0"/>
+              </a:spcAft>
+              <a:buClrTx/>
+              <a:buSzTx/>
+              <a:buFontTx/>
+              <a:buNone/>
+              <a:tabLst/>
+              <a:defRPr/>
+            </a:pPr>
+            <a:endParaRPr lang="en-US" altLang="zh-CN" dirty="0"/>
+          </a:p>
+          <a:p>
+            <a:pPr marL="0" marR="0" lvl="0" indent="0" algn="l" defTabSz="914400" rtl="0" eaLnBrk="1" fontAlgn="auto" latinLnBrk="0" hangingPunct="1">
+              <a:lnSpc>
+                <a:spcPct val="100000"/>
+              </a:lnSpc>
+              <a:spcBef>
+                <a:spcPts val="0"/>
+              </a:spcBef>
+              <a:spcAft>
+                <a:spcPts val="0"/>
+              </a:spcAft>
+              <a:buClrTx/>
+              <a:buSzTx/>
+              <a:buFontTx/>
+              <a:buNone/>
+              <a:tabLst/>
+              <a:defRPr/>
+            </a:pPr>
+            <a:r>
+              <a:rPr lang="zh-CN" altLang="zh-CN" dirty="0"/>
+              <a:t>为了预测图像的边界区域中的像素，通过</a:t>
+            </a:r>
+            <a:r>
+              <a:rPr lang="zh-CN" altLang="zh-CN" sz="1200" dirty="0"/>
+              <a:t>镜像</a:t>
+            </a:r>
+            <a:r>
+              <a:rPr lang="zh-CN" altLang="en-US" sz="1200" dirty="0"/>
+              <a:t>操作</a:t>
+            </a:r>
+            <a:r>
+              <a:rPr lang="zh-CN" altLang="zh-CN" sz="1200" dirty="0"/>
+              <a:t>输入图像来推测丢失的内容。</a:t>
+            </a:r>
+            <a:endParaRPr lang="zh-CN" altLang="en-US" sz="1200" dirty="0"/>
+          </a:p>
+          <a:p>
+            <a:pPr marL="0" marR="0" lvl="0" indent="0" algn="l" defTabSz="914400" rtl="0" eaLnBrk="1" fontAlgn="auto" latinLnBrk="0" hangingPunct="1">
+              <a:lnSpc>
+                <a:spcPct val="100000"/>
+              </a:lnSpc>
+              <a:spcBef>
+                <a:spcPts val="0"/>
+              </a:spcBef>
+              <a:spcAft>
+                <a:spcPts val="0"/>
+              </a:spcAft>
+              <a:buClrTx/>
+              <a:buSzTx/>
+              <a:buFontTx/>
+              <a:buNone/>
+              <a:tabLst/>
+              <a:defRPr/>
+            </a:pPr>
             <a:endParaRPr lang="zh-CN" altLang="en-US" dirty="0"/>
           </a:p>
           <a:p>
@@ -830,6 +907,515 @@
     <p:extLst>
       <p:ext uri="{BB962C8B-B14F-4D97-AF65-F5344CB8AC3E}">
         <p14:creationId xmlns:p14="http://schemas.microsoft.com/office/powerpoint/2010/main" val="1309073372"/>
+      </p:ext>
+    </p:extLst>
+  </p:cSld>
+  <p:clrMapOvr>
+    <a:masterClrMapping/>
+  </p:clrMapOvr>
+</p:notes>
+</file>
+
+<file path=ppt/notesSlides/notesSlide4.xml><?xml version="1.0" encoding="utf-8"?>
+<p:notes xmlns:a="http://schemas.openxmlformats.org/drawingml/2006/main" xmlns:r="http://schemas.openxmlformats.org/officeDocument/2006/relationships" xmlns:p="http://schemas.openxmlformats.org/presentationml/2006/main">
+  <p:cSld>
+    <p:spTree>
+      <p:nvGrpSpPr>
+        <p:cNvPr id="1" name=""/>
+        <p:cNvGrpSpPr/>
+        <p:nvPr/>
+      </p:nvGrpSpPr>
+      <p:grpSpPr>
+        <a:xfrm>
+          <a:off x="0" y="0"/>
+          <a:ext cx="0" cy="0"/>
+          <a:chOff x="0" y="0"/>
+          <a:chExt cx="0" cy="0"/>
+        </a:xfrm>
+      </p:grpSpPr>
+      <p:sp>
+        <p:nvSpPr>
+          <p:cNvPr id="2" name="幻灯片图像占位符 1"/>
+          <p:cNvSpPr>
+            <a:spLocks noGrp="1" noRot="1" noChangeAspect="1"/>
+          </p:cNvSpPr>
+          <p:nvPr>
+            <p:ph type="sldImg"/>
+          </p:nvPr>
+        </p:nvSpPr>
+        <p:spPr/>
+      </p:sp>
+      <p:sp>
+        <p:nvSpPr>
+          <p:cNvPr id="3" name="备注占位符 2"/>
+          <p:cNvSpPr>
+            <a:spLocks noGrp="1"/>
+          </p:cNvSpPr>
+          <p:nvPr>
+            <p:ph type="body" idx="1"/>
+          </p:nvPr>
+        </p:nvSpPr>
+        <p:spPr/>
+        <p:txBody>
+          <a:bodyPr/>
+          <a:lstStyle/>
+          <a:p>
+            <a:pPr marL="0" marR="0" lvl="0" indent="0" algn="l" defTabSz="914400" rtl="0" eaLnBrk="1" fontAlgn="auto" latinLnBrk="0" hangingPunct="1">
+              <a:lnSpc>
+                <a:spcPct val="100000"/>
+              </a:lnSpc>
+              <a:spcBef>
+                <a:spcPts val="0"/>
+              </a:spcBef>
+              <a:spcAft>
+                <a:spcPts val="0"/>
+              </a:spcAft>
+              <a:buClrTx/>
+              <a:buSzTx/>
+              <a:buFontTx/>
+              <a:buNone/>
+              <a:tabLst/>
+              <a:defRPr/>
+            </a:pPr>
+            <a:r>
+              <a:rPr lang="zh-CN" altLang="zh-CN" dirty="0"/>
+              <a:t>至于我们的任务，可用的训练数据非常少，我们通过对可用的训练图像应用弹性形变来进行数据扩充。这允许网络学习这种形变的不变性，而不需要在标注的图像语料库中看到这些变换。这在生物医学分割中尤其重要，因为形变是组织中最常见的变化，并且可以有效地模拟真实的变形。</a:t>
+            </a:r>
+            <a:endParaRPr lang="en-US" altLang="zh-CN" dirty="0"/>
+          </a:p>
+          <a:p>
+            <a:pPr marL="0" marR="0" lvl="0" indent="0" algn="l" defTabSz="914400" rtl="0" eaLnBrk="1" fontAlgn="auto" latinLnBrk="0" hangingPunct="1">
+              <a:lnSpc>
+                <a:spcPct val="100000"/>
+              </a:lnSpc>
+              <a:spcBef>
+                <a:spcPts val="0"/>
+              </a:spcBef>
+              <a:spcAft>
+                <a:spcPts val="0"/>
+              </a:spcAft>
+              <a:buClrTx/>
+              <a:buSzTx/>
+              <a:buFontTx/>
+              <a:buNone/>
+              <a:tabLst/>
+              <a:defRPr/>
+            </a:pPr>
+            <a:endParaRPr lang="en-US" altLang="zh-CN" dirty="0"/>
+          </a:p>
+          <a:p>
+            <a:pPr marL="0" marR="0" lvl="0" indent="0" algn="l" defTabSz="914400" rtl="0" eaLnBrk="1" fontAlgn="auto" latinLnBrk="0" hangingPunct="1">
+              <a:lnSpc>
+                <a:spcPct val="100000"/>
+              </a:lnSpc>
+              <a:spcBef>
+                <a:spcPts val="0"/>
+              </a:spcBef>
+              <a:spcAft>
+                <a:spcPts val="0"/>
+              </a:spcAft>
+              <a:buClrTx/>
+              <a:buSzTx/>
+              <a:buFontTx/>
+              <a:buNone/>
+              <a:tabLst/>
+              <a:defRPr/>
+            </a:pPr>
+            <a:r>
+              <a:rPr lang="zh-CN" altLang="zh-CN" dirty="0"/>
+              <a:t>在显微镜图片中我们主要需要移位和旋转不变性以及对形变和灰度值变化的鲁棒性。 特别是训练样本的随机弹性形变似乎是训练具有极少注释图像的分割网络的关键概念。 </a:t>
+            </a:r>
+            <a:endParaRPr lang="en-US" altLang="zh-CN" dirty="0"/>
+          </a:p>
+          <a:p>
+            <a:pPr marL="0" marR="0" lvl="0" indent="0" algn="l" defTabSz="914400" rtl="0" eaLnBrk="1" fontAlgn="auto" latinLnBrk="0" hangingPunct="1">
+              <a:lnSpc>
+                <a:spcPct val="100000"/>
+              </a:lnSpc>
+              <a:spcBef>
+                <a:spcPts val="0"/>
+              </a:spcBef>
+              <a:spcAft>
+                <a:spcPts val="0"/>
+              </a:spcAft>
+              <a:buClrTx/>
+              <a:buSzTx/>
+              <a:buFontTx/>
+              <a:buNone/>
+              <a:tabLst/>
+              <a:defRPr/>
+            </a:pPr>
+            <a:endParaRPr lang="zh-CN" altLang="zh-CN" dirty="0"/>
+          </a:p>
+          <a:p>
+            <a:endParaRPr lang="zh-CN" altLang="en-US" dirty="0"/>
+          </a:p>
+        </p:txBody>
+      </p:sp>
+      <p:sp>
+        <p:nvSpPr>
+          <p:cNvPr id="4" name="灯片编号占位符 3"/>
+          <p:cNvSpPr>
+            <a:spLocks noGrp="1"/>
+          </p:cNvSpPr>
+          <p:nvPr>
+            <p:ph type="sldNum" sz="quarter" idx="5"/>
+          </p:nvPr>
+        </p:nvSpPr>
+        <p:spPr/>
+        <p:txBody>
+          <a:bodyPr/>
+          <a:lstStyle/>
+          <a:p>
+            <a:fld id="{A0E9DBE2-D563-46AE-B0C3-F24D39DD8DBA}" type="slidenum">
+              <a:rPr lang="zh-CN" altLang="en-US" smtClean="0"/>
+              <a:t>9</a:t>
+            </a:fld>
+            <a:endParaRPr lang="zh-CN" altLang="en-US"/>
+          </a:p>
+        </p:txBody>
+      </p:sp>
+    </p:spTree>
+    <p:extLst>
+      <p:ext uri="{BB962C8B-B14F-4D97-AF65-F5344CB8AC3E}">
+        <p14:creationId xmlns:p14="http://schemas.microsoft.com/office/powerpoint/2010/main" val="4259301162"/>
+      </p:ext>
+    </p:extLst>
+  </p:cSld>
+  <p:clrMapOvr>
+    <a:masterClrMapping/>
+  </p:clrMapOvr>
+</p:notes>
+</file>
+
+<file path=ppt/notesSlides/notesSlide5.xml><?xml version="1.0" encoding="utf-8"?>
+<p:notes xmlns:a="http://schemas.openxmlformats.org/drawingml/2006/main" xmlns:r="http://schemas.openxmlformats.org/officeDocument/2006/relationships" xmlns:p="http://schemas.openxmlformats.org/presentationml/2006/main">
+  <p:cSld>
+    <p:spTree>
+      <p:nvGrpSpPr>
+        <p:cNvPr id="1" name=""/>
+        <p:cNvGrpSpPr/>
+        <p:nvPr/>
+      </p:nvGrpSpPr>
+      <p:grpSpPr>
+        <a:xfrm>
+          <a:off x="0" y="0"/>
+          <a:ext cx="0" cy="0"/>
+          <a:chOff x="0" y="0"/>
+          <a:chExt cx="0" cy="0"/>
+        </a:xfrm>
+      </p:grpSpPr>
+      <p:sp>
+        <p:nvSpPr>
+          <p:cNvPr id="2" name="幻灯片图像占位符 1"/>
+          <p:cNvSpPr>
+            <a:spLocks noGrp="1" noRot="1" noChangeAspect="1"/>
+          </p:cNvSpPr>
+          <p:nvPr>
+            <p:ph type="sldImg"/>
+          </p:nvPr>
+        </p:nvSpPr>
+        <p:spPr/>
+      </p:sp>
+      <p:sp>
+        <p:nvSpPr>
+          <p:cNvPr id="3" name="备注占位符 2"/>
+          <p:cNvSpPr>
+            <a:spLocks noGrp="1"/>
+          </p:cNvSpPr>
+          <p:nvPr>
+            <p:ph type="body" idx="1"/>
+          </p:nvPr>
+        </p:nvSpPr>
+        <p:spPr/>
+        <p:txBody>
+          <a:bodyPr/>
+          <a:lstStyle/>
+          <a:p>
+            <a:r>
+              <a:rPr lang="en-US" altLang="zh-CN" dirty="0"/>
+              <a:t> </a:t>
+            </a:r>
+          </a:p>
+          <a:p>
+            <a:r>
+              <a:rPr lang="zh-CN" altLang="en-US" dirty="0"/>
+              <a:t>分割挑战赛的结果</a:t>
+            </a:r>
+          </a:p>
+        </p:txBody>
+      </p:sp>
+      <p:sp>
+        <p:nvSpPr>
+          <p:cNvPr id="4" name="灯片编号占位符 3"/>
+          <p:cNvSpPr>
+            <a:spLocks noGrp="1"/>
+          </p:cNvSpPr>
+          <p:nvPr>
+            <p:ph type="sldNum" sz="quarter" idx="5"/>
+          </p:nvPr>
+        </p:nvSpPr>
+        <p:spPr/>
+        <p:txBody>
+          <a:bodyPr/>
+          <a:lstStyle/>
+          <a:p>
+            <a:fld id="{A0E9DBE2-D563-46AE-B0C3-F24D39DD8DBA}" type="slidenum">
+              <a:rPr lang="zh-CN" altLang="en-US" smtClean="0"/>
+              <a:t>10</a:t>
+            </a:fld>
+            <a:endParaRPr lang="zh-CN" altLang="en-US"/>
+          </a:p>
+        </p:txBody>
+      </p:sp>
+    </p:spTree>
+    <p:extLst>
+      <p:ext uri="{BB962C8B-B14F-4D97-AF65-F5344CB8AC3E}">
+        <p14:creationId xmlns:p14="http://schemas.microsoft.com/office/powerpoint/2010/main" val="1947182141"/>
+      </p:ext>
+    </p:extLst>
+  </p:cSld>
+  <p:clrMapOvr>
+    <a:masterClrMapping/>
+  </p:clrMapOvr>
+</p:notes>
+</file>
+
+<file path=ppt/notesSlides/notesSlide6.xml><?xml version="1.0" encoding="utf-8"?>
+<p:notes xmlns:a="http://schemas.openxmlformats.org/drawingml/2006/main" xmlns:r="http://schemas.openxmlformats.org/officeDocument/2006/relationships" xmlns:p="http://schemas.openxmlformats.org/presentationml/2006/main">
+  <p:cSld>
+    <p:spTree>
+      <p:nvGrpSpPr>
+        <p:cNvPr id="1" name=""/>
+        <p:cNvGrpSpPr/>
+        <p:nvPr/>
+      </p:nvGrpSpPr>
+      <p:grpSpPr>
+        <a:xfrm>
+          <a:off x="0" y="0"/>
+          <a:ext cx="0" cy="0"/>
+          <a:chOff x="0" y="0"/>
+          <a:chExt cx="0" cy="0"/>
+        </a:xfrm>
+      </p:grpSpPr>
+      <p:sp>
+        <p:nvSpPr>
+          <p:cNvPr id="2" name="幻灯片图像占位符 1"/>
+          <p:cNvSpPr>
+            <a:spLocks noGrp="1" noRot="1" noChangeAspect="1"/>
+          </p:cNvSpPr>
+          <p:nvPr>
+            <p:ph type="sldImg"/>
+          </p:nvPr>
+        </p:nvSpPr>
+        <p:spPr/>
+      </p:sp>
+      <p:sp>
+        <p:nvSpPr>
+          <p:cNvPr id="3" name="备注占位符 2"/>
+          <p:cNvSpPr>
+            <a:spLocks noGrp="1"/>
+          </p:cNvSpPr>
+          <p:nvPr>
+            <p:ph type="body" idx="1"/>
+          </p:nvPr>
+        </p:nvSpPr>
+        <p:spPr/>
+        <p:txBody>
+          <a:bodyPr/>
+          <a:lstStyle/>
+          <a:p>
+            <a:pPr marL="0" marR="0" lvl="0" indent="0" algn="l" defTabSz="914400" rtl="0" eaLnBrk="1" fontAlgn="auto" latinLnBrk="0" hangingPunct="1">
+              <a:lnSpc>
+                <a:spcPct val="100000"/>
+              </a:lnSpc>
+              <a:spcBef>
+                <a:spcPts val="0"/>
+              </a:spcBef>
+              <a:spcAft>
+                <a:spcPts val="0"/>
+              </a:spcAft>
+              <a:buClrTx/>
+              <a:buSzTx/>
+              <a:buFontTx/>
+              <a:buNone/>
+              <a:tabLst/>
+              <a:defRPr/>
+            </a:pPr>
+            <a:endParaRPr lang="en-US" altLang="zh-CN" dirty="0"/>
+          </a:p>
+          <a:p>
+            <a:pPr marL="0" marR="0" lvl="0" indent="0" algn="l" defTabSz="914400" rtl="0" eaLnBrk="1" fontAlgn="auto" latinLnBrk="0" hangingPunct="1">
+              <a:lnSpc>
+                <a:spcPct val="100000"/>
+              </a:lnSpc>
+              <a:spcBef>
+                <a:spcPts val="0"/>
+              </a:spcBef>
+              <a:spcAft>
+                <a:spcPts val="0"/>
+              </a:spcAft>
+              <a:buClrTx/>
+              <a:buSzTx/>
+              <a:buFontTx/>
+              <a:buNone/>
+              <a:tabLst/>
+              <a:defRPr/>
+            </a:pPr>
+            <a:r>
+              <a:rPr lang="en-US" altLang="zh-CN" dirty="0"/>
+              <a:t>PhC-U373</a:t>
+            </a:r>
+            <a:r>
+              <a:rPr lang="zh-CN" altLang="en-US" dirty="0"/>
+              <a:t>是使用相差显微镜的肿瘤细胞，有</a:t>
+            </a:r>
+            <a:r>
+              <a:rPr lang="en-US" altLang="zh-CN" dirty="0"/>
+              <a:t>35</a:t>
+            </a:r>
+            <a:r>
+              <a:rPr lang="zh-CN" altLang="en-US" dirty="0"/>
+              <a:t>张部分注释的训练图。</a:t>
+            </a:r>
+            <a:endParaRPr lang="en-US" altLang="zh-CN" dirty="0"/>
+          </a:p>
+          <a:p>
+            <a:pPr marL="0" marR="0" lvl="0" indent="0" algn="l" defTabSz="914400" rtl="0" eaLnBrk="1" fontAlgn="auto" latinLnBrk="0" hangingPunct="1">
+              <a:lnSpc>
+                <a:spcPct val="100000"/>
+              </a:lnSpc>
+              <a:spcBef>
+                <a:spcPts val="0"/>
+              </a:spcBef>
+              <a:spcAft>
+                <a:spcPts val="0"/>
+              </a:spcAft>
+              <a:buClrTx/>
+              <a:buSzTx/>
+              <a:buFontTx/>
+              <a:buNone/>
+              <a:tabLst/>
+              <a:defRPr/>
+            </a:pPr>
+            <a:endParaRPr lang="en-US" altLang="zh-CN" dirty="0"/>
+          </a:p>
+          <a:p>
+            <a:pPr marL="0" marR="0" lvl="0" indent="0" algn="l" defTabSz="914400" rtl="0" eaLnBrk="1" fontAlgn="auto" latinLnBrk="0" hangingPunct="1">
+              <a:lnSpc>
+                <a:spcPct val="100000"/>
+              </a:lnSpc>
+              <a:spcBef>
+                <a:spcPts val="0"/>
+              </a:spcBef>
+              <a:spcAft>
+                <a:spcPts val="0"/>
+              </a:spcAft>
+              <a:buClrTx/>
+              <a:buSzTx/>
+              <a:buFontTx/>
+              <a:buNone/>
+              <a:tabLst/>
+              <a:defRPr/>
+            </a:pPr>
+            <a:r>
+              <a:rPr lang="en-US" altLang="zh-CN" dirty="0"/>
+              <a:t>DIC-HeLa</a:t>
+            </a:r>
+            <a:r>
+              <a:rPr lang="zh-CN" altLang="en-US" dirty="0"/>
+              <a:t>是</a:t>
+            </a:r>
+            <a:r>
+              <a:rPr lang="zh-CN" altLang="en-US" sz="1200" b="0" i="0" kern="1200" dirty="0">
+                <a:solidFill>
+                  <a:schemeClr val="tx1"/>
+                </a:solidFill>
+                <a:effectLst/>
+                <a:latin typeface="+mn-lt"/>
+                <a:ea typeface="+mn-ea"/>
+                <a:cs typeface="+mn-cs"/>
+              </a:rPr>
+              <a:t> 人宫颈癌细胞使用鉴别干涉对比显微镜，有</a:t>
+            </a:r>
+            <a:r>
+              <a:rPr lang="en-US" altLang="zh-CN" sz="1200" b="0" i="0" kern="1200" dirty="0">
+                <a:solidFill>
+                  <a:schemeClr val="tx1"/>
+                </a:solidFill>
+                <a:effectLst/>
+                <a:latin typeface="+mn-lt"/>
+                <a:ea typeface="+mn-ea"/>
+                <a:cs typeface="+mn-cs"/>
+              </a:rPr>
+              <a:t>20</a:t>
+            </a:r>
+            <a:r>
+              <a:rPr lang="zh-CN" altLang="en-US" sz="1200" b="0" i="0" kern="1200" dirty="0">
+                <a:solidFill>
+                  <a:schemeClr val="tx1"/>
+                </a:solidFill>
+                <a:effectLst/>
+                <a:latin typeface="+mn-lt"/>
+                <a:ea typeface="+mn-ea"/>
+                <a:cs typeface="+mn-cs"/>
+              </a:rPr>
+              <a:t>张训练图片</a:t>
+            </a:r>
+            <a:endParaRPr lang="en-US" altLang="zh-CN" dirty="0"/>
+          </a:p>
+          <a:p>
+            <a:pPr marL="0" marR="0" lvl="0" indent="0" algn="l" defTabSz="914400" rtl="0" eaLnBrk="1" fontAlgn="auto" latinLnBrk="0" hangingPunct="1">
+              <a:lnSpc>
+                <a:spcPct val="100000"/>
+              </a:lnSpc>
+              <a:spcBef>
+                <a:spcPts val="0"/>
+              </a:spcBef>
+              <a:spcAft>
+                <a:spcPts val="0"/>
+              </a:spcAft>
+              <a:buClrTx/>
+              <a:buSzTx/>
+              <a:buFontTx/>
+              <a:buNone/>
+              <a:tabLst/>
+              <a:defRPr/>
+            </a:pPr>
+            <a:endParaRPr lang="en-US" altLang="zh-CN" dirty="0"/>
+          </a:p>
+          <a:p>
+            <a:endParaRPr lang="zh-CN" altLang="en-US" dirty="0"/>
+          </a:p>
+        </p:txBody>
+      </p:sp>
+      <p:sp>
+        <p:nvSpPr>
+          <p:cNvPr id="4" name="灯片编号占位符 3"/>
+          <p:cNvSpPr>
+            <a:spLocks noGrp="1"/>
+          </p:cNvSpPr>
+          <p:nvPr>
+            <p:ph type="sldNum" sz="quarter" idx="5"/>
+          </p:nvPr>
+        </p:nvSpPr>
+        <p:spPr/>
+        <p:txBody>
+          <a:bodyPr/>
+          <a:lstStyle/>
+          <a:p>
+            <a:fld id="{A0E9DBE2-D563-46AE-B0C3-F24D39DD8DBA}" type="slidenum">
+              <a:rPr lang="zh-CN" altLang="en-US" smtClean="0"/>
+              <a:t>11</a:t>
+            </a:fld>
+            <a:endParaRPr lang="zh-CN" altLang="en-US"/>
+          </a:p>
+        </p:txBody>
+      </p:sp>
+    </p:spTree>
+    <p:extLst>
+      <p:ext uri="{BB962C8B-B14F-4D97-AF65-F5344CB8AC3E}">
+        <p14:creationId xmlns:p14="http://schemas.microsoft.com/office/powerpoint/2010/main" val="2288134531"/>
       </p:ext>
     </p:extLst>
   </p:cSld>
@@ -986,7 +1572,7 @@
           <a:p>
             <a:fld id="{0C85C3E6-6C54-42DC-911F-ED95F2AEA4CC}" type="datetimeFigureOut">
               <a:rPr lang="zh-CN" altLang="en-US" smtClean="0"/>
-              <a:t>2018/10/20</a:t>
+              <a:t>2018/10/21</a:t>
             </a:fld>
             <a:endParaRPr lang="zh-CN" altLang="en-US"/>
           </a:p>
@@ -1184,7 +1770,7 @@
           <a:p>
             <a:fld id="{0C85C3E6-6C54-42DC-911F-ED95F2AEA4CC}" type="datetimeFigureOut">
               <a:rPr lang="zh-CN" altLang="en-US" smtClean="0"/>
-              <a:t>2018/10/20</a:t>
+              <a:t>2018/10/21</a:t>
             </a:fld>
             <a:endParaRPr lang="zh-CN" altLang="en-US"/>
           </a:p>
@@ -1392,7 +1978,7 @@
           <a:p>
             <a:fld id="{0C85C3E6-6C54-42DC-911F-ED95F2AEA4CC}" type="datetimeFigureOut">
               <a:rPr lang="zh-CN" altLang="en-US" smtClean="0"/>
-              <a:t>2018/10/20</a:t>
+              <a:t>2018/10/21</a:t>
             </a:fld>
             <a:endParaRPr lang="zh-CN" altLang="en-US"/>
           </a:p>
@@ -1590,7 +2176,7 @@
           <a:p>
             <a:fld id="{0C85C3E6-6C54-42DC-911F-ED95F2AEA4CC}" type="datetimeFigureOut">
               <a:rPr lang="zh-CN" altLang="en-US" smtClean="0"/>
-              <a:t>2018/10/20</a:t>
+              <a:t>2018/10/21</a:t>
             </a:fld>
             <a:endParaRPr lang="zh-CN" altLang="en-US"/>
           </a:p>
@@ -1865,7 +2451,7 @@
           <a:p>
             <a:fld id="{0C85C3E6-6C54-42DC-911F-ED95F2AEA4CC}" type="datetimeFigureOut">
               <a:rPr lang="zh-CN" altLang="en-US" smtClean="0"/>
-              <a:t>2018/10/20</a:t>
+              <a:t>2018/10/21</a:t>
             </a:fld>
             <a:endParaRPr lang="zh-CN" altLang="en-US"/>
           </a:p>
@@ -2130,7 +2716,7 @@
           <a:p>
             <a:fld id="{0C85C3E6-6C54-42DC-911F-ED95F2AEA4CC}" type="datetimeFigureOut">
               <a:rPr lang="zh-CN" altLang="en-US" smtClean="0"/>
-              <a:t>2018/10/20</a:t>
+              <a:t>2018/10/21</a:t>
             </a:fld>
             <a:endParaRPr lang="zh-CN" altLang="en-US"/>
           </a:p>
@@ -2542,7 +3128,7 @@
           <a:p>
             <a:fld id="{0C85C3E6-6C54-42DC-911F-ED95F2AEA4CC}" type="datetimeFigureOut">
               <a:rPr lang="zh-CN" altLang="en-US" smtClean="0"/>
-              <a:t>2018/10/20</a:t>
+              <a:t>2018/10/21</a:t>
             </a:fld>
             <a:endParaRPr lang="zh-CN" altLang="en-US"/>
           </a:p>
@@ -2683,7 +3269,7 @@
           <a:p>
             <a:fld id="{0C85C3E6-6C54-42DC-911F-ED95F2AEA4CC}" type="datetimeFigureOut">
               <a:rPr lang="zh-CN" altLang="en-US" smtClean="0"/>
-              <a:t>2018/10/20</a:t>
+              <a:t>2018/10/21</a:t>
             </a:fld>
             <a:endParaRPr lang="zh-CN" altLang="en-US"/>
           </a:p>
@@ -2796,7 +3382,7 @@
           <a:p>
             <a:fld id="{0C85C3E6-6C54-42DC-911F-ED95F2AEA4CC}" type="datetimeFigureOut">
               <a:rPr lang="zh-CN" altLang="en-US" smtClean="0"/>
-              <a:t>2018/10/20</a:t>
+              <a:t>2018/10/21</a:t>
             </a:fld>
             <a:endParaRPr lang="zh-CN" altLang="en-US"/>
           </a:p>
@@ -3107,7 +3693,7 @@
           <a:p>
             <a:fld id="{0C85C3E6-6C54-42DC-911F-ED95F2AEA4CC}" type="datetimeFigureOut">
               <a:rPr lang="zh-CN" altLang="en-US" smtClean="0"/>
-              <a:t>2018/10/20</a:t>
+              <a:t>2018/10/21</a:t>
             </a:fld>
             <a:endParaRPr lang="zh-CN" altLang="en-US"/>
           </a:p>
@@ -3395,7 +3981,7 @@
           <a:p>
             <a:fld id="{0C85C3E6-6C54-42DC-911F-ED95F2AEA4CC}" type="datetimeFigureOut">
               <a:rPr lang="zh-CN" altLang="en-US" smtClean="0"/>
-              <a:t>2018/10/20</a:t>
+              <a:t>2018/10/21</a:t>
             </a:fld>
             <a:endParaRPr lang="zh-CN" altLang="en-US"/>
           </a:p>
@@ -3636,7 +4222,7 @@
           <a:p>
             <a:fld id="{0C85C3E6-6C54-42DC-911F-ED95F2AEA4CC}" type="datetimeFigureOut">
               <a:rPr lang="zh-CN" altLang="en-US" smtClean="0"/>
-              <a:t>2018/10/20</a:t>
+              <a:t>2018/10/21</a:t>
             </a:fld>
             <a:endParaRPr lang="zh-CN" altLang="en-US"/>
           </a:p>
@@ -4117,56 +4703,38 @@
           <a:chExt cx="0" cy="0"/>
         </a:xfrm>
       </p:grpSpPr>
-      <p:sp>
-        <p:nvSpPr>
-          <p:cNvPr id="2" name="标题 1">
-            <a:extLst>
-              <a:ext uri="{FF2B5EF4-FFF2-40B4-BE49-F238E27FC236}">
-                <a16:creationId xmlns:a16="http://schemas.microsoft.com/office/drawing/2014/main" id="{0D5FDD38-50D4-4EA0-AFE6-B8539BA7A55B}"/>
-              </a:ext>
-            </a:extLst>
-          </p:cNvPr>
-          <p:cNvSpPr>
-            <a:spLocks noGrp="1"/>
-          </p:cNvSpPr>
-          <p:nvPr>
-            <p:ph type="title"/>
-          </p:nvPr>
-        </p:nvSpPr>
-        <p:spPr/>
-        <p:txBody>
-          <a:bodyPr/>
-          <a:lstStyle/>
-          <a:p>
-            <a:endParaRPr lang="zh-CN" altLang="en-US"/>
-          </a:p>
-        </p:txBody>
-      </p:sp>
-      <p:sp>
-        <p:nvSpPr>
-          <p:cNvPr id="3" name="内容占位符 2">
-            <a:extLst>
-              <a:ext uri="{FF2B5EF4-FFF2-40B4-BE49-F238E27FC236}">
-                <a16:creationId xmlns:a16="http://schemas.microsoft.com/office/drawing/2014/main" id="{D53A92F0-7474-49A5-96E8-EEA4ED62CF13}"/>
-              </a:ext>
-            </a:extLst>
-          </p:cNvPr>
-          <p:cNvSpPr>
-            <a:spLocks noGrp="1"/>
-          </p:cNvSpPr>
+      <p:pic>
+        <p:nvPicPr>
+          <p:cNvPr id="4" name="内容占位符 3">
+            <a:extLst>
+              <a:ext uri="{FF2B5EF4-FFF2-40B4-BE49-F238E27FC236}">
+                <a16:creationId xmlns:a16="http://schemas.microsoft.com/office/drawing/2014/main" id="{D36D74DA-95FA-43C1-8DED-6FDF198F40D6}"/>
+              </a:ext>
+            </a:extLst>
+          </p:cNvPr>
+          <p:cNvPicPr>
+            <a:picLocks noGrp="1"/>
+          </p:cNvPicPr>
           <p:nvPr>
             <p:ph idx="1"/>
           </p:nvPr>
-        </p:nvSpPr>
-        <p:spPr/>
-        <p:txBody>
-          <a:bodyPr/>
-          <a:lstStyle/>
-          <a:p>
-            <a:endParaRPr lang="zh-CN" altLang="en-US"/>
-          </a:p>
-        </p:txBody>
-      </p:sp>
+        </p:nvPicPr>
+        <p:blipFill>
+          <a:blip r:embed="rId3"/>
+          <a:stretch>
+            <a:fillRect/>
+          </a:stretch>
+        </p:blipFill>
+        <p:spPr>
+          <a:xfrm>
+            <a:off x="838200" y="1259053"/>
+            <a:ext cx="10515600" cy="4339893"/>
+          </a:xfrm>
+          <a:prstGeom prst="rect">
+            <a:avLst/>
+          </a:prstGeom>
+        </p:spPr>
+      </p:pic>
     </p:spTree>
     <p:extLst>
       <p:ext uri="{BB962C8B-B14F-4D97-AF65-F5344CB8AC3E}">
@@ -4222,355 +4790,42 @@
           </a:p>
         </p:txBody>
       </p:sp>
-      <p:sp>
-        <p:nvSpPr>
-          <p:cNvPr id="3" name="内容占位符 2">
-            <a:extLst>
-              <a:ext uri="{FF2B5EF4-FFF2-40B4-BE49-F238E27FC236}">
-                <a16:creationId xmlns:a16="http://schemas.microsoft.com/office/drawing/2014/main" id="{E399C1A1-B747-4914-A523-316FA4D52C97}"/>
-              </a:ext>
-            </a:extLst>
-          </p:cNvPr>
-          <p:cNvSpPr>
-            <a:spLocks noGrp="1"/>
-          </p:cNvSpPr>
+      <p:pic>
+        <p:nvPicPr>
+          <p:cNvPr id="4" name="内容占位符 3">
+            <a:extLst>
+              <a:ext uri="{FF2B5EF4-FFF2-40B4-BE49-F238E27FC236}">
+                <a16:creationId xmlns:a16="http://schemas.microsoft.com/office/drawing/2014/main" id="{7C62AA19-6762-4DC3-B821-3943E7423294}"/>
+              </a:ext>
+            </a:extLst>
+          </p:cNvPr>
+          <p:cNvPicPr>
+            <a:picLocks noGrp="1"/>
+          </p:cNvPicPr>
           <p:nvPr>
             <p:ph idx="1"/>
           </p:nvPr>
-        </p:nvSpPr>
-        <p:spPr/>
-        <p:txBody>
-          <a:bodyPr/>
-          <a:lstStyle/>
-          <a:p>
-            <a:endParaRPr lang="zh-CN" altLang="en-US"/>
-          </a:p>
-        </p:txBody>
-      </p:sp>
+        </p:nvPicPr>
+        <p:blipFill>
+          <a:blip r:embed="rId3"/>
+          <a:stretch>
+            <a:fillRect/>
+          </a:stretch>
+        </p:blipFill>
+        <p:spPr>
+          <a:xfrm>
+            <a:off x="1402723" y="1825625"/>
+            <a:ext cx="9386553" cy="4351338"/>
+          </a:xfrm>
+          <a:prstGeom prst="rect">
+            <a:avLst/>
+          </a:prstGeom>
+        </p:spPr>
+      </p:pic>
     </p:spTree>
     <p:extLst>
       <p:ext uri="{BB962C8B-B14F-4D97-AF65-F5344CB8AC3E}">
         <p14:creationId xmlns:p14="http://schemas.microsoft.com/office/powerpoint/2010/main" val="334382272"/>
-      </p:ext>
-    </p:extLst>
-  </p:cSld>
-  <p:clrMapOvr>
-    <a:masterClrMapping/>
-  </p:clrMapOvr>
-</p:sld>
-</file>
-
-<file path=ppt/slides/slide12.xml><?xml version="1.0" encoding="utf-8"?>
-<p:sld xmlns:a="http://schemas.openxmlformats.org/drawingml/2006/main" xmlns:r="http://schemas.openxmlformats.org/officeDocument/2006/relationships" xmlns:p="http://schemas.openxmlformats.org/presentationml/2006/main">
-  <p:cSld>
-    <p:spTree>
-      <p:nvGrpSpPr>
-        <p:cNvPr id="1" name=""/>
-        <p:cNvGrpSpPr/>
-        <p:nvPr/>
-      </p:nvGrpSpPr>
-      <p:grpSpPr>
-        <a:xfrm>
-          <a:off x="0" y="0"/>
-          <a:ext cx="0" cy="0"/>
-          <a:chOff x="0" y="0"/>
-          <a:chExt cx="0" cy="0"/>
-        </a:xfrm>
-      </p:grpSpPr>
-      <p:sp>
-        <p:nvSpPr>
-          <p:cNvPr id="2" name="标题 1">
-            <a:extLst>
-              <a:ext uri="{FF2B5EF4-FFF2-40B4-BE49-F238E27FC236}">
-                <a16:creationId xmlns:a16="http://schemas.microsoft.com/office/drawing/2014/main" id="{0D5FDD38-50D4-4EA0-AFE6-B8539BA7A55B}"/>
-              </a:ext>
-            </a:extLst>
-          </p:cNvPr>
-          <p:cNvSpPr>
-            <a:spLocks noGrp="1"/>
-          </p:cNvSpPr>
-          <p:nvPr>
-            <p:ph type="title"/>
-          </p:nvPr>
-        </p:nvSpPr>
-        <p:spPr/>
-        <p:txBody>
-          <a:bodyPr/>
-          <a:lstStyle/>
-          <a:p>
-            <a:endParaRPr lang="zh-CN" altLang="en-US"/>
-          </a:p>
-        </p:txBody>
-      </p:sp>
-      <p:sp>
-        <p:nvSpPr>
-          <p:cNvPr id="3" name="内容占位符 2">
-            <a:extLst>
-              <a:ext uri="{FF2B5EF4-FFF2-40B4-BE49-F238E27FC236}">
-                <a16:creationId xmlns:a16="http://schemas.microsoft.com/office/drawing/2014/main" id="{D53A92F0-7474-49A5-96E8-EEA4ED62CF13}"/>
-              </a:ext>
-            </a:extLst>
-          </p:cNvPr>
-          <p:cNvSpPr>
-            <a:spLocks noGrp="1"/>
-          </p:cNvSpPr>
-          <p:nvPr>
-            <p:ph idx="1"/>
-          </p:nvPr>
-        </p:nvSpPr>
-        <p:spPr/>
-        <p:txBody>
-          <a:bodyPr/>
-          <a:lstStyle/>
-          <a:p>
-            <a:endParaRPr lang="zh-CN" altLang="en-US"/>
-          </a:p>
-        </p:txBody>
-      </p:sp>
-    </p:spTree>
-    <p:extLst>
-      <p:ext uri="{BB962C8B-B14F-4D97-AF65-F5344CB8AC3E}">
-        <p14:creationId xmlns:p14="http://schemas.microsoft.com/office/powerpoint/2010/main" val="1714849333"/>
-      </p:ext>
-    </p:extLst>
-  </p:cSld>
-  <p:clrMapOvr>
-    <a:masterClrMapping/>
-  </p:clrMapOvr>
-</p:sld>
-</file>
-
-<file path=ppt/slides/slide13.xml><?xml version="1.0" encoding="utf-8"?>
-<p:sld xmlns:a="http://schemas.openxmlformats.org/drawingml/2006/main" xmlns:r="http://schemas.openxmlformats.org/officeDocument/2006/relationships" xmlns:p="http://schemas.openxmlformats.org/presentationml/2006/main">
-  <p:cSld>
-    <p:spTree>
-      <p:nvGrpSpPr>
-        <p:cNvPr id="1" name=""/>
-        <p:cNvGrpSpPr/>
-        <p:nvPr/>
-      </p:nvGrpSpPr>
-      <p:grpSpPr>
-        <a:xfrm>
-          <a:off x="0" y="0"/>
-          <a:ext cx="0" cy="0"/>
-          <a:chOff x="0" y="0"/>
-          <a:chExt cx="0" cy="0"/>
-        </a:xfrm>
-      </p:grpSpPr>
-      <p:sp>
-        <p:nvSpPr>
-          <p:cNvPr id="2" name="标题 1">
-            <a:extLst>
-              <a:ext uri="{FF2B5EF4-FFF2-40B4-BE49-F238E27FC236}">
-                <a16:creationId xmlns:a16="http://schemas.microsoft.com/office/drawing/2014/main" id="{00F3BACD-72DA-4487-96D8-DE4E587A0ADE}"/>
-              </a:ext>
-            </a:extLst>
-          </p:cNvPr>
-          <p:cNvSpPr>
-            <a:spLocks noGrp="1"/>
-          </p:cNvSpPr>
-          <p:nvPr>
-            <p:ph type="title"/>
-          </p:nvPr>
-        </p:nvSpPr>
-        <p:spPr/>
-        <p:txBody>
-          <a:bodyPr/>
-          <a:lstStyle/>
-          <a:p>
-            <a:endParaRPr lang="zh-CN" altLang="en-US"/>
-          </a:p>
-        </p:txBody>
-      </p:sp>
-      <p:sp>
-        <p:nvSpPr>
-          <p:cNvPr id="3" name="内容占位符 2">
-            <a:extLst>
-              <a:ext uri="{FF2B5EF4-FFF2-40B4-BE49-F238E27FC236}">
-                <a16:creationId xmlns:a16="http://schemas.microsoft.com/office/drawing/2014/main" id="{E399C1A1-B747-4914-A523-316FA4D52C97}"/>
-              </a:ext>
-            </a:extLst>
-          </p:cNvPr>
-          <p:cNvSpPr>
-            <a:spLocks noGrp="1"/>
-          </p:cNvSpPr>
-          <p:nvPr>
-            <p:ph idx="1"/>
-          </p:nvPr>
-        </p:nvSpPr>
-        <p:spPr/>
-        <p:txBody>
-          <a:bodyPr/>
-          <a:lstStyle/>
-          <a:p>
-            <a:endParaRPr lang="zh-CN" altLang="en-US"/>
-          </a:p>
-        </p:txBody>
-      </p:sp>
-    </p:spTree>
-    <p:extLst>
-      <p:ext uri="{BB962C8B-B14F-4D97-AF65-F5344CB8AC3E}">
-        <p14:creationId xmlns:p14="http://schemas.microsoft.com/office/powerpoint/2010/main" val="1322314584"/>
-      </p:ext>
-    </p:extLst>
-  </p:cSld>
-  <p:clrMapOvr>
-    <a:masterClrMapping/>
-  </p:clrMapOvr>
-</p:sld>
-</file>
-
-<file path=ppt/slides/slide14.xml><?xml version="1.0" encoding="utf-8"?>
-<p:sld xmlns:a="http://schemas.openxmlformats.org/drawingml/2006/main" xmlns:r="http://schemas.openxmlformats.org/officeDocument/2006/relationships" xmlns:p="http://schemas.openxmlformats.org/presentationml/2006/main">
-  <p:cSld>
-    <p:spTree>
-      <p:nvGrpSpPr>
-        <p:cNvPr id="1" name=""/>
-        <p:cNvGrpSpPr/>
-        <p:nvPr/>
-      </p:nvGrpSpPr>
-      <p:grpSpPr>
-        <a:xfrm>
-          <a:off x="0" y="0"/>
-          <a:ext cx="0" cy="0"/>
-          <a:chOff x="0" y="0"/>
-          <a:chExt cx="0" cy="0"/>
-        </a:xfrm>
-      </p:grpSpPr>
-      <p:sp>
-        <p:nvSpPr>
-          <p:cNvPr id="2" name="标题 1">
-            <a:extLst>
-              <a:ext uri="{FF2B5EF4-FFF2-40B4-BE49-F238E27FC236}">
-                <a16:creationId xmlns:a16="http://schemas.microsoft.com/office/drawing/2014/main" id="{0D5FDD38-50D4-4EA0-AFE6-B8539BA7A55B}"/>
-              </a:ext>
-            </a:extLst>
-          </p:cNvPr>
-          <p:cNvSpPr>
-            <a:spLocks noGrp="1"/>
-          </p:cNvSpPr>
-          <p:nvPr>
-            <p:ph type="title"/>
-          </p:nvPr>
-        </p:nvSpPr>
-        <p:spPr/>
-        <p:txBody>
-          <a:bodyPr/>
-          <a:lstStyle/>
-          <a:p>
-            <a:endParaRPr lang="zh-CN" altLang="en-US"/>
-          </a:p>
-        </p:txBody>
-      </p:sp>
-      <p:sp>
-        <p:nvSpPr>
-          <p:cNvPr id="3" name="内容占位符 2">
-            <a:extLst>
-              <a:ext uri="{FF2B5EF4-FFF2-40B4-BE49-F238E27FC236}">
-                <a16:creationId xmlns:a16="http://schemas.microsoft.com/office/drawing/2014/main" id="{D53A92F0-7474-49A5-96E8-EEA4ED62CF13}"/>
-              </a:ext>
-            </a:extLst>
-          </p:cNvPr>
-          <p:cNvSpPr>
-            <a:spLocks noGrp="1"/>
-          </p:cNvSpPr>
-          <p:nvPr>
-            <p:ph idx="1"/>
-          </p:nvPr>
-        </p:nvSpPr>
-        <p:spPr/>
-        <p:txBody>
-          <a:bodyPr/>
-          <a:lstStyle/>
-          <a:p>
-            <a:endParaRPr lang="zh-CN" altLang="en-US"/>
-          </a:p>
-        </p:txBody>
-      </p:sp>
-    </p:spTree>
-    <p:extLst>
-      <p:ext uri="{BB962C8B-B14F-4D97-AF65-F5344CB8AC3E}">
-        <p14:creationId xmlns:p14="http://schemas.microsoft.com/office/powerpoint/2010/main" val="1353480552"/>
-      </p:ext>
-    </p:extLst>
-  </p:cSld>
-  <p:clrMapOvr>
-    <a:masterClrMapping/>
-  </p:clrMapOvr>
-</p:sld>
-</file>
-
-<file path=ppt/slides/slide15.xml><?xml version="1.0" encoding="utf-8"?>
-<p:sld xmlns:a="http://schemas.openxmlformats.org/drawingml/2006/main" xmlns:r="http://schemas.openxmlformats.org/officeDocument/2006/relationships" xmlns:p="http://schemas.openxmlformats.org/presentationml/2006/main">
-  <p:cSld>
-    <p:spTree>
-      <p:nvGrpSpPr>
-        <p:cNvPr id="1" name=""/>
-        <p:cNvGrpSpPr/>
-        <p:nvPr/>
-      </p:nvGrpSpPr>
-      <p:grpSpPr>
-        <a:xfrm>
-          <a:off x="0" y="0"/>
-          <a:ext cx="0" cy="0"/>
-          <a:chOff x="0" y="0"/>
-          <a:chExt cx="0" cy="0"/>
-        </a:xfrm>
-      </p:grpSpPr>
-      <p:sp>
-        <p:nvSpPr>
-          <p:cNvPr id="2" name="标题 1">
-            <a:extLst>
-              <a:ext uri="{FF2B5EF4-FFF2-40B4-BE49-F238E27FC236}">
-                <a16:creationId xmlns:a16="http://schemas.microsoft.com/office/drawing/2014/main" id="{00F3BACD-72DA-4487-96D8-DE4E587A0ADE}"/>
-              </a:ext>
-            </a:extLst>
-          </p:cNvPr>
-          <p:cNvSpPr>
-            <a:spLocks noGrp="1"/>
-          </p:cNvSpPr>
-          <p:nvPr>
-            <p:ph type="title"/>
-          </p:nvPr>
-        </p:nvSpPr>
-        <p:spPr/>
-        <p:txBody>
-          <a:bodyPr/>
-          <a:lstStyle/>
-          <a:p>
-            <a:endParaRPr lang="zh-CN" altLang="en-US"/>
-          </a:p>
-        </p:txBody>
-      </p:sp>
-      <p:sp>
-        <p:nvSpPr>
-          <p:cNvPr id="3" name="内容占位符 2">
-            <a:extLst>
-              <a:ext uri="{FF2B5EF4-FFF2-40B4-BE49-F238E27FC236}">
-                <a16:creationId xmlns:a16="http://schemas.microsoft.com/office/drawing/2014/main" id="{E399C1A1-B747-4914-A523-316FA4D52C97}"/>
-              </a:ext>
-            </a:extLst>
-          </p:cNvPr>
-          <p:cNvSpPr>
-            <a:spLocks noGrp="1"/>
-          </p:cNvSpPr>
-          <p:nvPr>
-            <p:ph idx="1"/>
-          </p:nvPr>
-        </p:nvSpPr>
-        <p:spPr/>
-        <p:txBody>
-          <a:bodyPr/>
-          <a:lstStyle/>
-          <a:p>
-            <a:endParaRPr lang="zh-CN" altLang="en-US"/>
-          </a:p>
-        </p:txBody>
-      </p:sp>
-    </p:spTree>
-    <p:extLst>
-      <p:ext uri="{BB962C8B-B14F-4D97-AF65-F5344CB8AC3E}">
-        <p14:creationId xmlns:p14="http://schemas.microsoft.com/office/powerpoint/2010/main" val="2879998354"/>
       </p:ext>
     </p:extLst>
   </p:cSld>
@@ -5390,59 +5645,100 @@
         </p:nvSpPr>
         <p:spPr/>
         <p:txBody>
-          <a:bodyPr/>
-          <a:lstStyle/>
-          <a:p>
-            <a:r>
-              <a:rPr lang="zh-CN" altLang="zh-CN" dirty="0"/>
+          <a:bodyPr>
+            <a:normAutofit/>
+          </a:bodyPr>
+          <a:lstStyle/>
+          <a:p>
+            <a:pPr>
+              <a:lnSpc>
+                <a:spcPct val="150000"/>
+              </a:lnSpc>
+            </a:pPr>
+            <a:r>
+              <a:rPr lang="zh-CN" altLang="zh-CN" sz="2000" dirty="0"/>
               <a:t>网络没有</a:t>
             </a:r>
             <a:r>
-              <a:rPr lang="zh-CN" altLang="en-US" dirty="0"/>
+              <a:rPr lang="zh-CN" altLang="en-US" sz="2000" dirty="0"/>
               <a:t>全连接</a:t>
             </a:r>
             <a:r>
-              <a:rPr lang="zh-CN" altLang="zh-CN" dirty="0"/>
+              <a:rPr lang="zh-CN" altLang="zh-CN" sz="2000" dirty="0"/>
               <a:t>层，并且仅使用每个卷积的有效部分</a:t>
             </a:r>
             <a:r>
-              <a:rPr lang="zh-CN" altLang="en-US" dirty="0"/>
+              <a:rPr lang="zh-CN" altLang="en-US" sz="2000" dirty="0"/>
               <a:t>。</a:t>
             </a:r>
             <a:r>
-              <a:rPr lang="zh-CN" altLang="zh-CN" dirty="0"/>
+              <a:rPr lang="zh-CN" altLang="zh-CN" sz="2000" dirty="0"/>
               <a:t>通过重叠区块策略</a:t>
             </a:r>
             <a:r>
-              <a:rPr lang="en-US" altLang="zh-CN" dirty="0"/>
+              <a:rPr lang="en-US" altLang="zh-CN" sz="2000" dirty="0"/>
               <a:t>(overlap-tile)</a:t>
             </a:r>
             <a:r>
-              <a:rPr lang="zh-CN" altLang="zh-CN" dirty="0"/>
+              <a:rPr lang="zh-CN" altLang="zh-CN" sz="2000" dirty="0"/>
               <a:t>无缝分割任意大的图像</a:t>
             </a:r>
             <a:r>
-              <a:rPr lang="zh-CN" altLang="en-US" dirty="0"/>
+              <a:rPr lang="zh-CN" altLang="en-US" sz="2000" dirty="0"/>
               <a:t>。</a:t>
             </a:r>
-            <a:r>
-              <a:rPr lang="zh-CN" altLang="zh-CN" dirty="0"/>
-              <a:t>为了预测图像的边界区域中的像素，通过镜像输入图像来推测丢失的内容。这种平铺策略对于将网络应用于大图像很重要，否则分辨率将受到</a:t>
-            </a:r>
-            <a:r>
-              <a:rPr lang="en-US" altLang="zh-CN" dirty="0"/>
-              <a:t>GPU</a:t>
-            </a:r>
-            <a:r>
-              <a:rPr lang="zh-CN" altLang="zh-CN" dirty="0"/>
-              <a:t>内存的限制。</a:t>
-            </a:r>
-          </a:p>
-          <a:p>
-            <a:endParaRPr lang="zh-CN" altLang="en-US" dirty="0"/>
-          </a:p>
-        </p:txBody>
-      </p:sp>
+            <a:endParaRPr lang="en-US" altLang="zh-CN" sz="2000" dirty="0"/>
+          </a:p>
+          <a:p>
+            <a:pPr>
+              <a:lnSpc>
+                <a:spcPct val="150000"/>
+              </a:lnSpc>
+            </a:pPr>
+            <a:r>
+              <a:rPr lang="zh-CN" altLang="zh-CN" sz="2000" dirty="0"/>
+              <a:t>镜像</a:t>
+            </a:r>
+            <a:r>
+              <a:rPr lang="zh-CN" altLang="en-US" sz="2000" dirty="0"/>
+              <a:t>操作</a:t>
+            </a:r>
+            <a:r>
+              <a:rPr lang="zh-CN" altLang="zh-CN" sz="2000" dirty="0"/>
+              <a:t>输入图像来推测丢失的内容。</a:t>
+            </a:r>
+            <a:endParaRPr lang="zh-CN" altLang="en-US" sz="2000" dirty="0"/>
+          </a:p>
+        </p:txBody>
+      </p:sp>
+      <p:pic>
+        <p:nvPicPr>
+          <p:cNvPr id="4" name="图片 3">
+            <a:extLst>
+              <a:ext uri="{FF2B5EF4-FFF2-40B4-BE49-F238E27FC236}">
+                <a16:creationId xmlns:a16="http://schemas.microsoft.com/office/drawing/2014/main" id="{EDB7F775-D785-4BAF-834E-7D325CBDE3D3}"/>
+              </a:ext>
+            </a:extLst>
+          </p:cNvPr>
+          <p:cNvPicPr/>
+          <p:nvPr/>
+        </p:nvPicPr>
+        <p:blipFill>
+          <a:blip r:embed="rId3"/>
+          <a:stretch>
+            <a:fillRect/>
+          </a:stretch>
+        </p:blipFill>
+        <p:spPr>
+          <a:xfrm>
+            <a:off x="3657626" y="3429000"/>
+            <a:ext cx="6732077" cy="3053874"/>
+          </a:xfrm>
+          <a:prstGeom prst="rect">
+            <a:avLst/>
+          </a:prstGeom>
+        </p:spPr>
+      </p:pic>
     </p:spTree>
     <p:extLst>
       <p:ext uri="{BB962C8B-B14F-4D97-AF65-F5344CB8AC3E}">
@@ -5473,56 +5769,38 @@
           <a:chExt cx="0" cy="0"/>
         </a:xfrm>
       </p:grpSpPr>
-      <p:sp>
-        <p:nvSpPr>
-          <p:cNvPr id="2" name="标题 1">
-            <a:extLst>
-              <a:ext uri="{FF2B5EF4-FFF2-40B4-BE49-F238E27FC236}">
-                <a16:creationId xmlns:a16="http://schemas.microsoft.com/office/drawing/2014/main" id="{0D5FDD38-50D4-4EA0-AFE6-B8539BA7A55B}"/>
-              </a:ext>
-            </a:extLst>
-          </p:cNvPr>
-          <p:cNvSpPr>
-            <a:spLocks noGrp="1"/>
-          </p:cNvSpPr>
-          <p:nvPr>
-            <p:ph type="title"/>
-          </p:nvPr>
-        </p:nvSpPr>
-        <p:spPr/>
-        <p:txBody>
-          <a:bodyPr/>
-          <a:lstStyle/>
-          <a:p>
-            <a:endParaRPr lang="zh-CN" altLang="en-US"/>
-          </a:p>
-        </p:txBody>
-      </p:sp>
-      <p:sp>
-        <p:nvSpPr>
-          <p:cNvPr id="3" name="内容占位符 2">
-            <a:extLst>
-              <a:ext uri="{FF2B5EF4-FFF2-40B4-BE49-F238E27FC236}">
-                <a16:creationId xmlns:a16="http://schemas.microsoft.com/office/drawing/2014/main" id="{D53A92F0-7474-49A5-96E8-EEA4ED62CF13}"/>
-              </a:ext>
-            </a:extLst>
-          </p:cNvPr>
-          <p:cNvSpPr>
-            <a:spLocks noGrp="1"/>
-          </p:cNvSpPr>
+      <p:pic>
+        <p:nvPicPr>
+          <p:cNvPr id="4" name="内容占位符 3">
+            <a:extLst>
+              <a:ext uri="{FF2B5EF4-FFF2-40B4-BE49-F238E27FC236}">
+                <a16:creationId xmlns:a16="http://schemas.microsoft.com/office/drawing/2014/main" id="{C21FB9C7-5D72-4095-8794-A40A4A73AAE4}"/>
+              </a:ext>
+            </a:extLst>
+          </p:cNvPr>
+          <p:cNvPicPr>
+            <a:picLocks noGrp="1"/>
+          </p:cNvPicPr>
           <p:nvPr>
             <p:ph idx="1"/>
           </p:nvPr>
-        </p:nvSpPr>
-        <p:spPr/>
-        <p:txBody>
-          <a:bodyPr/>
-          <a:lstStyle/>
-          <a:p>
-            <a:endParaRPr lang="zh-CN" altLang="en-US"/>
-          </a:p>
-        </p:txBody>
-      </p:sp>
+        </p:nvPicPr>
+        <p:blipFill>
+          <a:blip r:embed="rId2"/>
+          <a:stretch>
+            <a:fillRect/>
+          </a:stretch>
+        </p:blipFill>
+        <p:spPr>
+          <a:xfrm>
+            <a:off x="2702339" y="658570"/>
+            <a:ext cx="6787321" cy="5540859"/>
+          </a:xfrm>
+          <a:prstGeom prst="rect">
+            <a:avLst/>
+          </a:prstGeom>
+        </p:spPr>
+      </p:pic>
     </p:spTree>
     <p:extLst>
       <p:ext uri="{BB962C8B-B14F-4D97-AF65-F5344CB8AC3E}">
@@ -5574,7 +5852,10 @@
           <a:bodyPr/>
           <a:lstStyle/>
           <a:p>
-            <a:endParaRPr lang="zh-CN" altLang="en-US"/>
+            <a:r>
+              <a:rPr lang="zh-CN" altLang="en-US" dirty="0"/>
+              <a:t>数据扩充</a:t>
+            </a:r>
           </a:p>
         </p:txBody>
       </p:sp>
@@ -5596,10 +5877,99 @@
         </p:nvSpPr>
         <p:spPr/>
         <p:txBody>
-          <a:bodyPr/>
-          <a:lstStyle/>
-          <a:p>
-            <a:endParaRPr lang="zh-CN" altLang="en-US"/>
+          <a:bodyPr>
+            <a:normAutofit fontScale="92500" lnSpcReduction="20000"/>
+          </a:bodyPr>
+          <a:lstStyle/>
+          <a:p>
+            <a:pPr>
+              <a:lnSpc>
+                <a:spcPct val="150000"/>
+              </a:lnSpc>
+            </a:pPr>
+            <a:r>
+              <a:rPr lang="zh-CN" altLang="zh-CN" dirty="0"/>
+              <a:t>对可用的训练图像应用弹性形变来进行数据扩充。</a:t>
+            </a:r>
+            <a:endParaRPr lang="en-US" altLang="zh-CN" dirty="0"/>
+          </a:p>
+          <a:p>
+            <a:pPr>
+              <a:lnSpc>
+                <a:spcPct val="150000"/>
+              </a:lnSpc>
+            </a:pPr>
+            <a:r>
+              <a:rPr lang="zh-CN" altLang="zh-CN" dirty="0"/>
+              <a:t>学习形变的不变性</a:t>
+            </a:r>
+            <a:r>
+              <a:rPr lang="zh-CN" altLang="en-US" dirty="0"/>
+              <a:t>，</a:t>
+            </a:r>
+            <a:r>
+              <a:rPr lang="zh-CN" altLang="zh-CN" dirty="0"/>
+              <a:t>这在生物医学分割中尤其重要，因为形变是组织中最常见的变化，并且可以有效地模拟真实的变形。</a:t>
+            </a:r>
+          </a:p>
+          <a:p>
+            <a:pPr>
+              <a:lnSpc>
+                <a:spcPct val="150000"/>
+              </a:lnSpc>
+            </a:pPr>
+            <a:r>
+              <a:rPr lang="zh-CN" altLang="zh-CN" dirty="0"/>
+              <a:t>显微镜图片需要移位和旋转不变性以及对形变和灰度值变化的鲁棒性</a:t>
+            </a:r>
+            <a:r>
+              <a:rPr lang="zh-CN" altLang="en-US" dirty="0"/>
+              <a:t>。</a:t>
+            </a:r>
+            <a:endParaRPr lang="en-US" altLang="zh-CN" dirty="0"/>
+          </a:p>
+          <a:p>
+            <a:pPr>
+              <a:lnSpc>
+                <a:spcPct val="150000"/>
+              </a:lnSpc>
+            </a:pPr>
+            <a:r>
+              <a:rPr lang="zh-CN" altLang="zh-CN" dirty="0"/>
+              <a:t>我们使用粗糙的</a:t>
+            </a:r>
+            <a:r>
+              <a:rPr lang="en-US" altLang="zh-CN" dirty="0"/>
+              <a:t>3</a:t>
+            </a:r>
+            <a:r>
+              <a:rPr lang="zh-CN" altLang="zh-CN" dirty="0"/>
+              <a:t>×</a:t>
+            </a:r>
+            <a:r>
+              <a:rPr lang="en-US" altLang="zh-CN" dirty="0"/>
+              <a:t>3</a:t>
+            </a:r>
+            <a:r>
+              <a:rPr lang="zh-CN" altLang="zh-CN" dirty="0"/>
+              <a:t>网格上的随机位移矢量生成平滑变形。 位移是从具有</a:t>
+            </a:r>
+            <a:r>
+              <a:rPr lang="en-US" altLang="zh-CN" dirty="0"/>
+              <a:t>10</a:t>
+            </a:r>
+            <a:r>
+              <a:rPr lang="zh-CN" altLang="zh-CN" dirty="0"/>
+              <a:t>个像素标准差的高斯分布中采样的。 然后使用双三次插值计算每像素的位移。 </a:t>
+            </a:r>
+          </a:p>
+          <a:p>
+            <a:pPr>
+              <a:lnSpc>
+                <a:spcPct val="150000"/>
+              </a:lnSpc>
+            </a:pPr>
+            <a:endParaRPr lang="zh-CN" altLang="en-US" dirty="0"/>
           </a:p>
         </p:txBody>
       </p:sp>

--- a/w-第三次组会_2018.10.22.pptx
+++ b/w-第三次组会_2018.10.22.pptx
@@ -207,7 +207,7 @@
           <a:p>
             <a:fld id="{FBC0F450-C4F3-4A41-9DCF-D1CD82335DD1}" type="datetimeFigureOut">
               <a:rPr lang="zh-CN" altLang="en-US" smtClean="0"/>
-              <a:t>2018/10/21</a:t>
+              <a:t>2018/10/22</a:t>
             </a:fld>
             <a:endParaRPr lang="zh-CN" altLang="en-US"/>
           </a:p>
@@ -1572,7 +1572,7 @@
           <a:p>
             <a:fld id="{0C85C3E6-6C54-42DC-911F-ED95F2AEA4CC}" type="datetimeFigureOut">
               <a:rPr lang="zh-CN" altLang="en-US" smtClean="0"/>
-              <a:t>2018/10/21</a:t>
+              <a:t>2018/10/22</a:t>
             </a:fld>
             <a:endParaRPr lang="zh-CN" altLang="en-US"/>
           </a:p>
@@ -1770,7 +1770,7 @@
           <a:p>
             <a:fld id="{0C85C3E6-6C54-42DC-911F-ED95F2AEA4CC}" type="datetimeFigureOut">
               <a:rPr lang="zh-CN" altLang="en-US" smtClean="0"/>
-              <a:t>2018/10/21</a:t>
+              <a:t>2018/10/22</a:t>
             </a:fld>
             <a:endParaRPr lang="zh-CN" altLang="en-US"/>
           </a:p>
@@ -1978,7 +1978,7 @@
           <a:p>
             <a:fld id="{0C85C3E6-6C54-42DC-911F-ED95F2AEA4CC}" type="datetimeFigureOut">
               <a:rPr lang="zh-CN" altLang="en-US" smtClean="0"/>
-              <a:t>2018/10/21</a:t>
+              <a:t>2018/10/22</a:t>
             </a:fld>
             <a:endParaRPr lang="zh-CN" altLang="en-US"/>
           </a:p>
@@ -2176,7 +2176,7 @@
           <a:p>
             <a:fld id="{0C85C3E6-6C54-42DC-911F-ED95F2AEA4CC}" type="datetimeFigureOut">
               <a:rPr lang="zh-CN" altLang="en-US" smtClean="0"/>
-              <a:t>2018/10/21</a:t>
+              <a:t>2018/10/22</a:t>
             </a:fld>
             <a:endParaRPr lang="zh-CN" altLang="en-US"/>
           </a:p>
@@ -2451,7 +2451,7 @@
           <a:p>
             <a:fld id="{0C85C3E6-6C54-42DC-911F-ED95F2AEA4CC}" type="datetimeFigureOut">
               <a:rPr lang="zh-CN" altLang="en-US" smtClean="0"/>
-              <a:t>2018/10/21</a:t>
+              <a:t>2018/10/22</a:t>
             </a:fld>
             <a:endParaRPr lang="zh-CN" altLang="en-US"/>
           </a:p>
@@ -2716,7 +2716,7 @@
           <a:p>
             <a:fld id="{0C85C3E6-6C54-42DC-911F-ED95F2AEA4CC}" type="datetimeFigureOut">
               <a:rPr lang="zh-CN" altLang="en-US" smtClean="0"/>
-              <a:t>2018/10/21</a:t>
+              <a:t>2018/10/22</a:t>
             </a:fld>
             <a:endParaRPr lang="zh-CN" altLang="en-US"/>
           </a:p>
@@ -3128,7 +3128,7 @@
           <a:p>
             <a:fld id="{0C85C3E6-6C54-42DC-911F-ED95F2AEA4CC}" type="datetimeFigureOut">
               <a:rPr lang="zh-CN" altLang="en-US" smtClean="0"/>
-              <a:t>2018/10/21</a:t>
+              <a:t>2018/10/22</a:t>
             </a:fld>
             <a:endParaRPr lang="zh-CN" altLang="en-US"/>
           </a:p>
@@ -3269,7 +3269,7 @@
           <a:p>
             <a:fld id="{0C85C3E6-6C54-42DC-911F-ED95F2AEA4CC}" type="datetimeFigureOut">
               <a:rPr lang="zh-CN" altLang="en-US" smtClean="0"/>
-              <a:t>2018/10/21</a:t>
+              <a:t>2018/10/22</a:t>
             </a:fld>
             <a:endParaRPr lang="zh-CN" altLang="en-US"/>
           </a:p>
@@ -3382,7 +3382,7 @@
           <a:p>
             <a:fld id="{0C85C3E6-6C54-42DC-911F-ED95F2AEA4CC}" type="datetimeFigureOut">
               <a:rPr lang="zh-CN" altLang="en-US" smtClean="0"/>
-              <a:t>2018/10/21</a:t>
+              <a:t>2018/10/22</a:t>
             </a:fld>
             <a:endParaRPr lang="zh-CN" altLang="en-US"/>
           </a:p>
@@ -3693,7 +3693,7 @@
           <a:p>
             <a:fld id="{0C85C3E6-6C54-42DC-911F-ED95F2AEA4CC}" type="datetimeFigureOut">
               <a:rPr lang="zh-CN" altLang="en-US" smtClean="0"/>
-              <a:t>2018/10/21</a:t>
+              <a:t>2018/10/22</a:t>
             </a:fld>
             <a:endParaRPr lang="zh-CN" altLang="en-US"/>
           </a:p>
@@ -3981,7 +3981,7 @@
           <a:p>
             <a:fld id="{0C85C3E6-6C54-42DC-911F-ED95F2AEA4CC}" type="datetimeFigureOut">
               <a:rPr lang="zh-CN" altLang="en-US" smtClean="0"/>
-              <a:t>2018/10/21</a:t>
+              <a:t>2018/10/22</a:t>
             </a:fld>
             <a:endParaRPr lang="zh-CN" altLang="en-US"/>
           </a:p>
@@ -4222,7 +4222,7 @@
           <a:p>
             <a:fld id="{0C85C3E6-6C54-42DC-911F-ED95F2AEA4CC}" type="datetimeFigureOut">
               <a:rPr lang="zh-CN" altLang="en-US" smtClean="0"/>
-              <a:t>2018/10/21</a:t>
+              <a:t>2018/10/22</a:t>
             </a:fld>
             <a:endParaRPr lang="zh-CN" altLang="en-US"/>
           </a:p>
@@ -5389,7 +5389,7 @@
             </a:pPr>
             <a:r>
               <a:rPr lang="zh-CN" altLang="zh-CN" dirty="0"/>
-              <a:t>收缩路径遵循卷积网络的典型架构。重复应用两个</a:t>
+              <a:t>收缩路径遵循卷积网络的典型架构。两个</a:t>
             </a:r>
             <a:r>
               <a:rPr lang="en-US" altLang="zh-CN" dirty="0"/>
@@ -5409,7 +5409,7 @@
             </a:r>
             <a:r>
               <a:rPr lang="zh-CN" altLang="en-US" dirty="0"/>
-              <a:t>后为</a:t>
+              <a:t>激活函数为</a:t>
             </a:r>
             <a:r>
               <a:rPr lang="en-US" altLang="zh-CN" dirty="0" err="1"/>
@@ -5417,7 +5417,7 @@
             </a:r>
             <a:r>
               <a:rPr lang="zh-CN" altLang="en-US" dirty="0"/>
-              <a:t>和</a:t>
+              <a:t>，卷积后为</a:t>
             </a:r>
             <a:r>
               <a:rPr lang="en-US" altLang="zh-CN" dirty="0"/>
@@ -5425,7 +5425,23 @@
             </a:r>
             <a:r>
               <a:rPr lang="zh-CN" altLang="zh-CN" dirty="0"/>
-              <a:t>最大池化操作。在每个下采样步骤中，我们将特征通道的数量加倍。</a:t>
+              <a:t>最大池化。在每</a:t>
+            </a:r>
+            <a:r>
+              <a:rPr lang="zh-CN" altLang="en-US" dirty="0"/>
+              <a:t>次</a:t>
+            </a:r>
+            <a:r>
+              <a:rPr lang="zh-CN" altLang="zh-CN" dirty="0"/>
+              <a:t>下采样</a:t>
+            </a:r>
+            <a:r>
+              <a:rPr lang="zh-CN" altLang="en-US" dirty="0"/>
+              <a:t>操作</a:t>
+            </a:r>
+            <a:r>
+              <a:rPr lang="zh-CN" altLang="zh-CN" dirty="0"/>
+              <a:t>中，特征通道的数量加倍。</a:t>
             </a:r>
             <a:endParaRPr lang="en-US" altLang="zh-CN" dirty="0"/>
           </a:p>
@@ -5437,7 +5453,19 @@
             </a:pPr>
             <a:r>
               <a:rPr lang="zh-CN" altLang="zh-CN" dirty="0"/>
-              <a:t>扩展路径包括对特征图进行上采样，然后进行</a:t>
+              <a:t>扩展路径</a:t>
+            </a:r>
+            <a:r>
+              <a:rPr lang="zh-CN" altLang="en-US" dirty="0"/>
+              <a:t>中</a:t>
+            </a:r>
+            <a:r>
+              <a:rPr lang="zh-CN" altLang="zh-CN" dirty="0"/>
+              <a:t>对特征图进行上采样</a:t>
+            </a:r>
+            <a:r>
+              <a:rPr lang="zh-CN" altLang="en-US" dirty="0"/>
+              <a:t>。使用</a:t>
             </a:r>
             <a:r>
               <a:rPr lang="en-US" altLang="zh-CN" dirty="0"/>
@@ -5453,7 +5481,27 @@
             </a:r>
             <a:r>
               <a:rPr lang="zh-CN" altLang="zh-CN" dirty="0"/>
-              <a:t>），将特征通道数量减半，与来自收缩路径的相应裁剪特征图连结，以及两个</a:t>
+              <a:t>），将特征通道数量减半</a:t>
+            </a:r>
+            <a:r>
+              <a:rPr lang="zh-CN" altLang="en-US" dirty="0"/>
+              <a:t>；连结</a:t>
+            </a:r>
+            <a:r>
+              <a:rPr lang="en-US" altLang="zh-CN" dirty="0"/>
+              <a:t>(concatenate)</a:t>
+            </a:r>
+            <a:r>
+              <a:rPr lang="zh-CN" altLang="zh-CN" dirty="0"/>
+              <a:t>来自收缩路径的相应裁剪特征图</a:t>
+            </a:r>
+            <a:r>
+              <a:rPr lang="zh-CN" altLang="en-US" dirty="0"/>
+              <a:t>；</a:t>
+            </a:r>
+            <a:r>
+              <a:rPr lang="zh-CN" altLang="zh-CN" dirty="0"/>
+              <a:t>两个</a:t>
             </a:r>
             <a:r>
               <a:rPr lang="en-US" altLang="zh-CN" dirty="0"/>
@@ -5461,7 +5509,11 @@
             </a:r>
             <a:r>
               <a:rPr lang="zh-CN" altLang="zh-CN" dirty="0"/>
-              <a:t>卷积，还有</a:t>
+              <a:t>卷积，</a:t>
+            </a:r>
+            <a:r>
+              <a:rPr lang="zh-CN" altLang="en-US" dirty="0"/>
+              <a:t>激活函数为</a:t>
             </a:r>
             <a:r>
               <a:rPr lang="en-US" altLang="zh-CN" dirty="0" err="1"/>
